--- a/training-cards/emotional erwachsen/Perception (PER)/ger/apprentice/ger_PER_09_Mein_ROTI_EE_A.pptx
+++ b/training-cards/emotional erwachsen/Perception (PER)/ger/apprentice/ger_PER_09_Mein_ROTI_EE_A.pptx
@@ -2196,48 +2196,194 @@
         </p:spPr>
         <p:txBody>
           <a:bodyPr>
-            <a:normAutofit/>
+            <a:normAutofit fontScale="85000" lnSpcReduction="10000"/>
           </a:bodyPr>
           <a:lstStyle/>
           <a:p>
             <a:pPr>
               <a:lnSpc>
-                <a:spcPts val="1400"/>
+                <a:spcPts val="1300"/>
               </a:lnSpc>
               <a:spcBef>
-                <a:spcPts val="600"/>
+                <a:spcPts val="500"/>
               </a:spcBef>
             </a:pPr>
             <a:r>
-              <a:rPr lang="de-DE" sz="1100" dirty="0" smtClean="0"/>
-              <a:t>Eine </a:t>
-            </a:r>
-            <a:r>
               <a:rPr lang="de-DE" sz="1100" dirty="0"/>
-              <a:t>einfache Möglichkeit, </a:t>
-            </a:r>
-            <a:r>
-              <a:rPr lang="de-DE" sz="1100" dirty="0" smtClean="0"/>
-              <a:t>eine Wahrnehmung dafür zu entwickeln, </a:t>
-            </a:r>
+              <a:t>Eine einfache Möglichkeit, eine Wahrnehmung dafür zu entwickeln, wie „für mich selbst sinnvoll“ ich meine Zeit einsetze, ist eine ROTI.</a:t>
+            </a:r>
+          </a:p>
+          <a:p>
+            <a:pPr>
+              <a:lnSpc>
+                <a:spcPts val="1300"/>
+              </a:lnSpc>
+              <a:spcBef>
+                <a:spcPts val="500"/>
+              </a:spcBef>
+            </a:pPr>
             <a:r>
               <a:rPr lang="de-DE" sz="1100" dirty="0"/>
-              <a:t>wie </a:t>
-            </a:r>
-            <a:r>
-              <a:rPr lang="de-DE" sz="1100" dirty="0" smtClean="0"/>
-              <a:t>„für mich selbst sinnvoll“ </a:t>
-            </a:r>
-            <a:br>
-              <a:rPr lang="de-DE" sz="1100" dirty="0" smtClean="0"/>
-            </a:br>
+              <a:t>ROTI steht für „Return </a:t>
+            </a:r>
+            <a:r>
+              <a:rPr lang="de-DE" sz="1100" dirty="0" err="1"/>
+              <a:t>of</a:t>
+            </a:r>
             <a:r>
               <a:rPr lang="de-DE" sz="1100" dirty="0"/>
-              <a:t>i</a:t>
-            </a:r>
-            <a:r>
-              <a:rPr lang="de-DE" sz="1100" dirty="0" smtClean="0"/>
-              <a:t>ch meine Zeit einsetze, ist</a:t>
+              <a:t> time </a:t>
+            </a:r>
+            <a:r>
+              <a:rPr lang="de-DE" sz="1100" dirty="0" err="1"/>
+              <a:t>invested</a:t>
+            </a:r>
+            <a:r>
+              <a:rPr lang="de-DE" sz="1100" dirty="0"/>
+              <a:t>“ und ist ein Maß dafür, ob ich persönlich das Gefühl habe, dass mir die Arbeit, die ich geleistet habe, etwas gebracht hat und ob dies im Verhältnis zur investierten Zeit steht.</a:t>
+            </a:r>
+          </a:p>
+          <a:p>
+            <a:pPr>
+              <a:lnSpc>
+                <a:spcPts val="1300"/>
+              </a:lnSpc>
+              <a:spcBef>
+                <a:spcPts val="500"/>
+              </a:spcBef>
+            </a:pPr>
+            <a:r>
+              <a:rPr lang="de-DE" sz="1100" dirty="0"/>
+              <a:t>Es geht nicht um Leistung, sondern um sinnvoll eingesetzte Zeit. Nicht nur Deine Arbeit, auch eine bewusste Pause oder ein Mittagsschlaf kann sinnvoll eingesetzte Zeit sein. Was für Dich sinnvoll ist, kannst Du nur selbst entscheiden.</a:t>
+            </a:r>
+          </a:p>
+          <a:p>
+            <a:pPr>
+              <a:lnSpc>
+                <a:spcPts val="1300"/>
+              </a:lnSpc>
+              <a:spcBef>
+                <a:spcPts val="500"/>
+              </a:spcBef>
+            </a:pPr>
+            <a:r>
+              <a:rPr lang="de-DE" sz="1100" dirty="0"/>
+              <a:t>Je zufriedener </a:t>
+            </a:r>
+            <a:r>
+              <a:rPr lang="de-DE" sz="1100" dirty="0" smtClean="0"/>
+              <a:t>Du mit Deiner </a:t>
+            </a:r>
+            <a:r>
+              <a:rPr lang="de-DE" sz="1100" dirty="0"/>
+              <a:t>investierten Zeit </a:t>
+            </a:r>
+            <a:r>
+              <a:rPr lang="de-DE" sz="1100" dirty="0" smtClean="0"/>
+              <a:t>bist, </a:t>
+            </a:r>
+            <a:r>
+              <a:rPr lang="de-DE" sz="1100" dirty="0"/>
+              <a:t>desto besser geht es </a:t>
+            </a:r>
+            <a:r>
+              <a:rPr lang="de-DE" sz="1100" dirty="0" smtClean="0"/>
+              <a:t>Dir </a:t>
+            </a:r>
+            <a:r>
+              <a:rPr lang="de-DE" sz="1100" dirty="0"/>
+              <a:t>und das wirkt auch nach außen. Nur wenn es </a:t>
+            </a:r>
+            <a:r>
+              <a:rPr lang="de-DE" sz="1100" dirty="0" smtClean="0"/>
+              <a:t>Dir </a:t>
+            </a:r>
+            <a:r>
+              <a:rPr lang="de-DE" sz="1100" dirty="0"/>
+              <a:t>gut geht, </a:t>
+            </a:r>
+            <a:r>
+              <a:rPr lang="de-DE" sz="1100" dirty="0" smtClean="0"/>
+              <a:t>kannst Du wirklich </a:t>
+            </a:r>
+            <a:r>
+              <a:rPr lang="de-DE" sz="1100" dirty="0"/>
+              <a:t>für andere da sein.</a:t>
+            </a:r>
+          </a:p>
+          <a:p>
+            <a:pPr>
+              <a:lnSpc>
+                <a:spcPts val="1300"/>
+              </a:lnSpc>
+              <a:spcBef>
+                <a:spcPts val="500"/>
+              </a:spcBef>
+            </a:pPr>
+            <a:r>
+              <a:rPr lang="de-DE" sz="1100" dirty="0"/>
+              <a:t>Wenn Deine Bewertungen oft nicht gut ausfallen, kannst Du dies zum Anlass nehmen, darüber nachzudenken, wie es sein müsste, damit Du ein „sehr gut“ vergeben </a:t>
+            </a:r>
+            <a:r>
+              <a:rPr lang="de-DE" sz="1100" dirty="0" smtClean="0"/>
+              <a:t>kannst. "</a:t>
+            </a:r>
+            <a:r>
+              <a:rPr lang="de-DE" sz="1100" dirty="0"/>
+              <a:t>Noch mehr vom </a:t>
+            </a:r>
+            <a:r>
+              <a:rPr lang="de-DE" sz="1100" dirty="0" smtClean="0"/>
+              <a:t>Gleichen“ bzw. Dich noch mehr anzustrengen, </a:t>
+            </a:r>
+            <a:r>
+              <a:rPr lang="de-DE" sz="1100" dirty="0"/>
+              <a:t>ist dabei keine Lösung, die Deine ROTI-Bewertung besser werden lässt</a:t>
+            </a:r>
+            <a:r>
+              <a:rPr lang="de-DE" sz="1100" dirty="0" smtClean="0"/>
+              <a:t>.</a:t>
+            </a:r>
+            <a:endParaRPr lang="de-DE" sz="1100" dirty="0"/>
+          </a:p>
+          <a:p>
+            <a:pPr>
+              <a:lnSpc>
+                <a:spcPts val="1300"/>
+              </a:lnSpc>
+              <a:spcBef>
+                <a:spcPts val="500"/>
+              </a:spcBef>
+            </a:pPr>
+            <a:r>
+              <a:rPr lang="de-DE" sz="1100" dirty="0"/>
+              <a:t>Du trägst die Verantwortung für Deine Zeit, auch wenn Du nicht immer frei darüber bestimmen kannst. Es gibt viele Möglichkeiten, Verbesserungen zu erreichen.  Auch dann, wenn andere involviert sind wie z.B. in Besprechungen. Der erste Schritt ist, eine Wahrnehmung dafür zu entwickeln.</a:t>
+            </a:r>
+          </a:p>
+          <a:p>
+            <a:pPr>
+              <a:lnSpc>
+                <a:spcPts val="1300"/>
+              </a:lnSpc>
+              <a:spcBef>
+                <a:spcPts val="500"/>
+              </a:spcBef>
+            </a:pPr>
+            <a:r>
+              <a:rPr lang="de-DE" sz="1100" dirty="0"/>
+              <a:t>Weitere Anregungen bieten beispielsweise die </a:t>
+            </a:r>
+            <a:r>
+              <a:rPr lang="de-DE" sz="1100" dirty="0" err="1"/>
+              <a:t>Tomatenmoves</a:t>
+            </a:r>
+            <a:r>
+              <a:rPr lang="de-DE" sz="1100" dirty="0"/>
+              <a:t> (z.B. TOM 01, 02, 03) und Meeting </a:t>
+            </a:r>
+            <a:r>
+              <a:rPr lang="de-DE" sz="1100" dirty="0" err="1"/>
+              <a:t>Moves</a:t>
             </a:r>
             <a:r>
               <a:rPr lang="de-DE" sz="1100" dirty="0"/>
@@ -2245,204 +2391,22 @@
             </a:r>
             <a:r>
               <a:rPr lang="de-DE" sz="1100" dirty="0" smtClean="0"/>
-              <a:t>eine ROTI.</a:t>
-            </a:r>
-          </a:p>
-          <a:p>
-            <a:pPr>
-              <a:lnSpc>
-                <a:spcPts val="1400"/>
-              </a:lnSpc>
-              <a:spcBef>
-                <a:spcPts val="600"/>
-              </a:spcBef>
-            </a:pPr>
-            <a:r>
-              <a:rPr lang="de-DE" sz="1100" dirty="0" smtClean="0"/>
-              <a:t>ROTI </a:t>
+              <a:t/>
+            </a:r>
+            <a:br>
+              <a:rPr lang="de-DE" sz="1100" dirty="0" smtClean="0"/>
+            </a:br>
+            <a:r>
+              <a:rPr lang="de-DE" sz="1100" dirty="0" smtClean="0"/>
+              <a:t>(</a:t>
             </a:r>
             <a:r>
               <a:rPr lang="de-DE" sz="1100" dirty="0"/>
-              <a:t>steht für „</a:t>
-            </a:r>
-            <a:r>
-              <a:rPr lang="de-DE" sz="1100" i="1" dirty="0" smtClean="0">
-                <a:latin typeface="Avenir Heavy"/>
-                <a:cs typeface="Avenir Heavy"/>
-              </a:rPr>
-              <a:t>R</a:t>
-            </a:r>
-            <a:r>
-              <a:rPr lang="de-DE" sz="1100" i="1" dirty="0" smtClean="0"/>
-              <a:t>eturn</a:t>
-            </a:r>
-            <a:r>
-              <a:rPr lang="de-DE" sz="1100" b="1" i="1" dirty="0" smtClean="0"/>
-              <a:t> </a:t>
-            </a:r>
-            <a:r>
-              <a:rPr lang="de-DE" sz="1100" i="1" dirty="0" err="1" smtClean="0">
-                <a:latin typeface="Avenir Heavy"/>
-                <a:cs typeface="Avenir Heavy"/>
-              </a:rPr>
-              <a:t>o</a:t>
-            </a:r>
-            <a:r>
-              <a:rPr lang="de-DE" sz="1100" i="1" dirty="0" err="1" smtClean="0"/>
-              <a:t>f</a:t>
-            </a:r>
-            <a:r>
-              <a:rPr lang="de-DE" sz="1100" b="1" i="1" dirty="0" smtClean="0"/>
-              <a:t> </a:t>
-            </a:r>
-            <a:r>
-              <a:rPr lang="de-DE" sz="1100" i="1" dirty="0" smtClean="0">
-                <a:latin typeface="Avenir Heavy"/>
-                <a:cs typeface="Avenir Heavy"/>
-              </a:rPr>
-              <a:t>t</a:t>
-            </a:r>
-            <a:r>
-              <a:rPr lang="de-DE" sz="1100" i="1" dirty="0" smtClean="0"/>
-              <a:t>ime</a:t>
-            </a:r>
-            <a:r>
-              <a:rPr lang="de-DE" sz="1100" b="1" i="1" dirty="0" smtClean="0"/>
-              <a:t> </a:t>
-            </a:r>
-            <a:r>
-              <a:rPr lang="de-DE" sz="1100" b="1" i="1" dirty="0" err="1" smtClean="0">
-                <a:latin typeface="Avenir Heavy"/>
-                <a:cs typeface="Avenir Heavy"/>
-              </a:rPr>
-              <a:t>i</a:t>
-            </a:r>
-            <a:r>
-              <a:rPr lang="de-DE" sz="1100" i="1" dirty="0" err="1" smtClean="0"/>
-              <a:t>nvested</a:t>
-            </a:r>
-            <a:r>
-              <a:rPr lang="de-DE" sz="1100" i="1" dirty="0" smtClean="0"/>
-              <a:t>“ </a:t>
-            </a:r>
-            <a:r>
-              <a:rPr lang="de-DE" sz="1100" dirty="0" smtClean="0"/>
-              <a:t>und ist ein Maß dafür, ob ich persönlich das Gefühl habe, dass mir die Arbeit, die ich geleistet habe, etwas gebracht hat und ob dies im Verhältnis zur investierten Zeit steht.</a:t>
-            </a:r>
-          </a:p>
-          <a:p>
-            <a:pPr>
-              <a:lnSpc>
-                <a:spcPts val="1400"/>
-              </a:lnSpc>
-              <a:spcBef>
-                <a:spcPts val="600"/>
-              </a:spcBef>
-            </a:pPr>
-            <a:r>
-              <a:rPr lang="de-DE" sz="1100" dirty="0" smtClean="0"/>
-              <a:t>Es geht nicht um Leistung, sondern um sinnvoll eingesetzte Zeit. Nicht nur Deine Arbeit, auch eine bewusste Pause oder ein Mittagsschlaf kann sinnvoll eingesetzte Zeit sein. Was für Dich sinnvoll ist, kannst Du nur selbst entscheiden.</a:t>
-            </a:r>
-          </a:p>
-          <a:p>
-            <a:pPr>
-              <a:lnSpc>
-                <a:spcPts val="1400"/>
-              </a:lnSpc>
-              <a:spcBef>
-                <a:spcPts val="600"/>
-              </a:spcBef>
-            </a:pPr>
-            <a:r>
-              <a:rPr lang="de-DE" sz="1100" dirty="0" smtClean="0"/>
-              <a:t>Wenn </a:t>
-            </a:r>
-            <a:r>
-              <a:rPr lang="de-DE" sz="1100" dirty="0" smtClean="0"/>
-              <a:t>Deine </a:t>
-            </a:r>
-            <a:r>
-              <a:rPr lang="de-DE" sz="1100" dirty="0"/>
-              <a:t>Bewertungen </a:t>
-            </a:r>
-            <a:r>
-              <a:rPr lang="de-DE" sz="1100" dirty="0" smtClean="0"/>
-              <a:t>oft nicht </a:t>
-            </a:r>
-            <a:r>
-              <a:rPr lang="de-DE" sz="1100" dirty="0"/>
-              <a:t>gut ausfallen, </a:t>
-            </a:r>
-            <a:r>
-              <a:rPr lang="de-DE" sz="1100" dirty="0" smtClean="0"/>
-              <a:t>kannst Du </a:t>
-            </a:r>
-            <a:r>
-              <a:rPr lang="de-DE" sz="1100" dirty="0"/>
-              <a:t>dies zum Anlass </a:t>
-            </a:r>
-            <a:r>
-              <a:rPr lang="de-DE" sz="1100" dirty="0" smtClean="0"/>
-              <a:t>nehmen, </a:t>
-            </a:r>
-            <a:r>
-              <a:rPr lang="de-DE" sz="1100" dirty="0"/>
-              <a:t>darüber </a:t>
-            </a:r>
-            <a:r>
-              <a:rPr lang="de-DE" sz="1100" dirty="0" smtClean="0"/>
-              <a:t>nachzudenken</a:t>
-            </a:r>
-            <a:r>
-              <a:rPr lang="de-DE" sz="1100" dirty="0" smtClean="0"/>
-              <a:t>, </a:t>
-            </a:r>
-            <a:r>
-              <a:rPr lang="de-DE" sz="1100" dirty="0"/>
-              <a:t>wie es sein müsste, damit </a:t>
-            </a:r>
-            <a:r>
-              <a:rPr lang="de-DE" sz="1100" dirty="0" smtClean="0"/>
-              <a:t>Du ein </a:t>
-            </a:r>
-            <a:r>
-              <a:rPr lang="de-DE" sz="1100" dirty="0"/>
-              <a:t>„sehr gut“ vergeben </a:t>
-            </a:r>
-            <a:r>
-              <a:rPr lang="de-DE" sz="1100" dirty="0" smtClean="0"/>
-              <a:t>kannst </a:t>
-            </a:r>
-            <a:r>
-              <a:rPr lang="de-DE" sz="1100" dirty="0"/>
-              <a:t>bzw. was </a:t>
-            </a:r>
-            <a:r>
-              <a:rPr lang="de-DE" sz="1100" dirty="0" smtClean="0"/>
-              <a:t>Du verändern könntest. </a:t>
-            </a:r>
-            <a:endParaRPr lang="de-DE" sz="1100" dirty="0" smtClean="0"/>
-          </a:p>
-          <a:p>
-            <a:pPr>
-              <a:lnSpc>
-                <a:spcPts val="1400"/>
-              </a:lnSpc>
-              <a:spcBef>
-                <a:spcPts val="600"/>
-              </a:spcBef>
-            </a:pPr>
-            <a:r>
-              <a:rPr lang="de-DE" sz="1100" dirty="0" smtClean="0"/>
-              <a:t>Du </a:t>
-            </a:r>
-            <a:r>
-              <a:rPr lang="de-DE" sz="1100" dirty="0"/>
-              <a:t>trägst die Verantwortung für Deine Zeit, auch wenn Du nicht immer frei darüber bestimmen kannst</a:t>
-            </a:r>
-            <a:r>
-              <a:rPr lang="de-DE" sz="1100" dirty="0" smtClean="0"/>
-              <a:t>. Es gibt viele Möglichkeiten, Verbesserungen zu erreichen.  Auch dann, wenn andere involviert sind wie z.B. in Besprechungen. Die Grundlage dafür ist, eine Wahrnehmung dafür zu entwickeln.</a:t>
+              <a:t>z.B. TOM 06</a:t>
+            </a:r>
+            <a:r>
+              <a:rPr lang="de-DE" sz="1100" dirty="0" smtClean="0"/>
+              <a:t>).</a:t>
             </a:r>
             <a:endParaRPr lang="de-DE" sz="1100" dirty="0"/>
           </a:p>
@@ -2554,7 +2518,15 @@
             </a:br>
             <a:r>
               <a:rPr lang="de-DE" sz="1100" dirty="0" smtClean="0"/>
-              <a:t>investierte Zeit eingesetzt war.</a:t>
+              <a:t>investierte Zeit </a:t>
+            </a:r>
+            <a:r>
+              <a:rPr lang="de-DE" sz="1100" dirty="0" smtClean="0"/>
+              <a:t>für Dich eingesetzt </a:t>
+            </a:r>
+            <a:r>
+              <a:rPr lang="de-DE" sz="1100" dirty="0" smtClean="0"/>
+              <a:t>war.</a:t>
             </a:r>
           </a:p>
           <a:p>
@@ -2612,19 +2584,11 @@
             </a:pPr>
             <a:r>
               <a:rPr lang="de-DE" sz="1100" dirty="0" smtClean="0"/>
-              <a:t>Notiere Dir </a:t>
-            </a:r>
-            <a:r>
-              <a:rPr lang="de-DE" sz="1100" smtClean="0"/>
-              <a:t>Deine </a:t>
-            </a:r>
-            <a:r>
-              <a:rPr lang="de-DE" sz="1100" smtClean="0"/>
-              <a:t>Bewertung</a:t>
-            </a:r>
-            <a:r>
-              <a:rPr lang="de-DE" sz="1100" smtClean="0"/>
-              <a:t>.</a:t>
+              <a:t>Notiere Dir Deine </a:t>
+            </a:r>
+            <a:r>
+              <a:rPr lang="de-DE" sz="1100" dirty="0" smtClean="0"/>
+              <a:t>Bewertung.</a:t>
             </a:r>
             <a:endParaRPr lang="de-DE" sz="1100" dirty="0" smtClean="0"/>
           </a:p>

--- a/training-cards/emotional erwachsen/Perception (PER)/ger/apprentice/ger_PER_09_Mein_ROTI_EE_A.pptx
+++ b/training-cards/emotional erwachsen/Perception (PER)/ger/apprentice/ger_PER_09_Mein_ROTI_EE_A.pptx
@@ -4,8 +4,11 @@
   <p:sldMasterIdLst>
     <p:sldMasterId id="2147483648" r:id="rId1"/>
   </p:sldMasterIdLst>
+  <p:notesMasterIdLst>
+    <p:notesMasterId r:id="rId4"/>
+  </p:notesMasterIdLst>
   <p:handoutMasterIdLst>
-    <p:handoutMasterId r:id="rId4"/>
+    <p:handoutMasterId r:id="rId5"/>
   </p:handoutMasterIdLst>
   <p:sldIdLst>
     <p:sldId id="257" r:id="rId2"/>
@@ -110,7 +113,7 @@
   </p:defaultTextStyle>
   <p:extLst>
     <p:ext uri="{EFAFB233-063F-42B5-8137-9DF3F51BA10A}">
-      <p15:sldGuideLst xmlns="" xmlns:p15="http://schemas.microsoft.com/office/powerpoint/2012/main">
+      <p15:sldGuideLst xmlns:p15="http://schemas.microsoft.com/office/powerpoint/2012/main" xmlns="">
         <p15:guide id="1" orient="horz" pos="872">
           <p15:clr>
             <a:srgbClr val="A4A3A4"/>
@@ -290,6 +293,440 @@
   </p:cSld>
   <p:clrMap bg1="lt1" tx1="dk1" bg2="lt2" tx2="dk2" accent1="accent1" accent2="accent2" accent3="accent3" accent4="accent4" accent5="accent5" accent6="accent6" hlink="hlink" folHlink="folHlink"/>
 </p:handoutMaster>
+</file>
+
+<file path=ppt/notesMasters/notesMaster1.xml><?xml version="1.0" encoding="utf-8"?>
+<p:notesMaster xmlns:a="http://schemas.openxmlformats.org/drawingml/2006/main" xmlns:r="http://schemas.openxmlformats.org/officeDocument/2006/relationships" xmlns:p="http://schemas.openxmlformats.org/presentationml/2006/main">
+  <p:cSld>
+    <p:bg>
+      <p:bgRef idx="1001">
+        <a:schemeClr val="bg1"/>
+      </p:bgRef>
+    </p:bg>
+    <p:spTree>
+      <p:nvGrpSpPr>
+        <p:cNvPr id="1" name=""/>
+        <p:cNvGrpSpPr/>
+        <p:nvPr/>
+      </p:nvGrpSpPr>
+      <p:grpSpPr>
+        <a:xfrm>
+          <a:off x="0" y="0"/>
+          <a:ext cx="0" cy="0"/>
+          <a:chOff x="0" y="0"/>
+          <a:chExt cx="0" cy="0"/>
+        </a:xfrm>
+      </p:grpSpPr>
+      <p:sp>
+        <p:nvSpPr>
+          <p:cNvPr id="2" name="Überschriftenplatzhalter 1"/>
+          <p:cNvSpPr>
+            <a:spLocks noGrp="1"/>
+          </p:cNvSpPr>
+          <p:nvPr>
+            <p:ph type="hdr" sz="quarter"/>
+          </p:nvPr>
+        </p:nvSpPr>
+        <p:spPr>
+          <a:xfrm>
+            <a:off x="0" y="0"/>
+            <a:ext cx="2971800" cy="457200"/>
+          </a:xfrm>
+          <a:prstGeom prst="rect">
+            <a:avLst/>
+          </a:prstGeom>
+        </p:spPr>
+        <p:txBody>
+          <a:bodyPr vert="horz" lIns="91440" tIns="45720" rIns="91440" bIns="45720" rtlCol="0"/>
+          <a:lstStyle>
+            <a:lvl1pPr algn="l">
+              <a:defRPr sz="1200"/>
+            </a:lvl1pPr>
+          </a:lstStyle>
+          <a:p>
+            <a:endParaRPr lang="de-DE"/>
+          </a:p>
+        </p:txBody>
+      </p:sp>
+      <p:sp>
+        <p:nvSpPr>
+          <p:cNvPr id="3" name="Datumsplatzhalter 2"/>
+          <p:cNvSpPr>
+            <a:spLocks noGrp="1"/>
+          </p:cNvSpPr>
+          <p:nvPr>
+            <p:ph type="dt" idx="1"/>
+          </p:nvPr>
+        </p:nvSpPr>
+        <p:spPr>
+          <a:xfrm>
+            <a:off x="3884613" y="0"/>
+            <a:ext cx="2971800" cy="457200"/>
+          </a:xfrm>
+          <a:prstGeom prst="rect">
+            <a:avLst/>
+          </a:prstGeom>
+        </p:spPr>
+        <p:txBody>
+          <a:bodyPr vert="horz" lIns="91440" tIns="45720" rIns="91440" bIns="45720" rtlCol="0"/>
+          <a:lstStyle>
+            <a:lvl1pPr algn="r">
+              <a:defRPr sz="1200"/>
+            </a:lvl1pPr>
+          </a:lstStyle>
+          <a:p>
+            <a:fld id="{AF95E308-9EC0-7249-8680-B2EBC3A763F1}" type="datetimeFigureOut">
+              <a:rPr lang="de-DE" smtClean="0"/>
+              <a:t>23.11.15</a:t>
+            </a:fld>
+            <a:endParaRPr lang="de-DE"/>
+          </a:p>
+        </p:txBody>
+      </p:sp>
+      <p:sp>
+        <p:nvSpPr>
+          <p:cNvPr id="4" name="Folienbildplatzhalter 3"/>
+          <p:cNvSpPr>
+            <a:spLocks noGrp="1" noRot="1" noChangeAspect="1"/>
+          </p:cNvSpPr>
+          <p:nvPr>
+            <p:ph type="sldImg" idx="2"/>
+          </p:nvPr>
+        </p:nvSpPr>
+        <p:spPr>
+          <a:xfrm>
+            <a:off x="996950" y="685800"/>
+            <a:ext cx="4864100" cy="3429000"/>
+          </a:xfrm>
+          <a:prstGeom prst="rect">
+            <a:avLst/>
+          </a:prstGeom>
+          <a:noFill/>
+          <a:ln w="12700">
+            <a:solidFill>
+              <a:prstClr val="black"/>
+            </a:solidFill>
+          </a:ln>
+        </p:spPr>
+        <p:txBody>
+          <a:bodyPr vert="horz" lIns="91440" tIns="45720" rIns="91440" bIns="45720" rtlCol="0" anchor="ctr"/>
+          <a:lstStyle/>
+          <a:p>
+            <a:endParaRPr lang="de-DE"/>
+          </a:p>
+        </p:txBody>
+      </p:sp>
+      <p:sp>
+        <p:nvSpPr>
+          <p:cNvPr id="5" name="Notizenplatzhalter 4"/>
+          <p:cNvSpPr>
+            <a:spLocks noGrp="1"/>
+          </p:cNvSpPr>
+          <p:nvPr>
+            <p:ph type="body" sz="quarter" idx="3"/>
+          </p:nvPr>
+        </p:nvSpPr>
+        <p:spPr>
+          <a:xfrm>
+            <a:off x="685800" y="4343400"/>
+            <a:ext cx="5486400" cy="4114800"/>
+          </a:xfrm>
+          <a:prstGeom prst="rect">
+            <a:avLst/>
+          </a:prstGeom>
+        </p:spPr>
+        <p:txBody>
+          <a:bodyPr vert="horz" lIns="91440" tIns="45720" rIns="91440" bIns="45720" rtlCol="0"/>
+          <a:lstStyle/>
+          <a:p>
+            <a:pPr lvl="0"/>
+            <a:r>
+              <a:rPr lang="de-DE" smtClean="0"/>
+              <a:t>Mastertextformat bearbeiten</a:t>
+            </a:r>
+          </a:p>
+          <a:p>
+            <a:pPr lvl="1"/>
+            <a:r>
+              <a:rPr lang="de-DE" smtClean="0"/>
+              <a:t>Zweite Ebene</a:t>
+            </a:r>
+          </a:p>
+          <a:p>
+            <a:pPr lvl="2"/>
+            <a:r>
+              <a:rPr lang="de-DE" smtClean="0"/>
+              <a:t>Dritte Ebene</a:t>
+            </a:r>
+          </a:p>
+          <a:p>
+            <a:pPr lvl="3"/>
+            <a:r>
+              <a:rPr lang="de-DE" smtClean="0"/>
+              <a:t>Vierte Ebene</a:t>
+            </a:r>
+          </a:p>
+          <a:p>
+            <a:pPr lvl="4"/>
+            <a:r>
+              <a:rPr lang="de-DE" smtClean="0"/>
+              <a:t>Fünfte Ebene</a:t>
+            </a:r>
+            <a:endParaRPr lang="de-DE"/>
+          </a:p>
+        </p:txBody>
+      </p:sp>
+      <p:sp>
+        <p:nvSpPr>
+          <p:cNvPr id="6" name="Fußzeilenplatzhalter 5"/>
+          <p:cNvSpPr>
+            <a:spLocks noGrp="1"/>
+          </p:cNvSpPr>
+          <p:nvPr>
+            <p:ph type="ftr" sz="quarter" idx="4"/>
+          </p:nvPr>
+        </p:nvSpPr>
+        <p:spPr>
+          <a:xfrm>
+            <a:off x="0" y="8685213"/>
+            <a:ext cx="2971800" cy="457200"/>
+          </a:xfrm>
+          <a:prstGeom prst="rect">
+            <a:avLst/>
+          </a:prstGeom>
+        </p:spPr>
+        <p:txBody>
+          <a:bodyPr vert="horz" lIns="91440" tIns="45720" rIns="91440" bIns="45720" rtlCol="0" anchor="b"/>
+          <a:lstStyle>
+            <a:lvl1pPr algn="l">
+              <a:defRPr sz="1200"/>
+            </a:lvl1pPr>
+          </a:lstStyle>
+          <a:p>
+            <a:endParaRPr lang="de-DE"/>
+          </a:p>
+        </p:txBody>
+      </p:sp>
+      <p:sp>
+        <p:nvSpPr>
+          <p:cNvPr id="7" name="Foliennummernplatzhalter 6"/>
+          <p:cNvSpPr>
+            <a:spLocks noGrp="1"/>
+          </p:cNvSpPr>
+          <p:nvPr>
+            <p:ph type="sldNum" sz="quarter" idx="5"/>
+          </p:nvPr>
+        </p:nvSpPr>
+        <p:spPr>
+          <a:xfrm>
+            <a:off x="3884613" y="8685213"/>
+            <a:ext cx="2971800" cy="457200"/>
+          </a:xfrm>
+          <a:prstGeom prst="rect">
+            <a:avLst/>
+          </a:prstGeom>
+        </p:spPr>
+        <p:txBody>
+          <a:bodyPr vert="horz" lIns="91440" tIns="45720" rIns="91440" bIns="45720" rtlCol="0" anchor="b"/>
+          <a:lstStyle>
+            <a:lvl1pPr algn="r">
+              <a:defRPr sz="1200"/>
+            </a:lvl1pPr>
+          </a:lstStyle>
+          <a:p>
+            <a:fld id="{DCEF08BF-CE36-8D45-92A5-DD105B1C3FF0}" type="slidenum">
+              <a:rPr lang="de-DE" smtClean="0"/>
+              <a:t>‹Nr.›</a:t>
+            </a:fld>
+            <a:endParaRPr lang="de-DE"/>
+          </a:p>
+        </p:txBody>
+      </p:sp>
+    </p:spTree>
+    <p:extLst>
+      <p:ext uri="{BB962C8B-B14F-4D97-AF65-F5344CB8AC3E}">
+        <p14:creationId xmlns:p14="http://schemas.microsoft.com/office/powerpoint/2010/main" val="3289387774"/>
+      </p:ext>
+    </p:extLst>
+  </p:cSld>
+  <p:clrMap bg1="lt1" tx1="dk1" bg2="lt2" tx2="dk2" accent1="accent1" accent2="accent2" accent3="accent3" accent4="accent4" accent5="accent5" accent6="accent6" hlink="hlink" folHlink="folHlink"/>
+  <p:notesStyle>
+    <a:lvl1pPr marL="0" algn="l" defTabSz="457200" rtl="0" eaLnBrk="1" latinLnBrk="0" hangingPunct="1">
+      <a:defRPr sz="1200" kern="1200">
+        <a:solidFill>
+          <a:schemeClr val="tx1"/>
+        </a:solidFill>
+        <a:latin typeface="+mn-lt"/>
+        <a:ea typeface="+mn-ea"/>
+        <a:cs typeface="+mn-cs"/>
+      </a:defRPr>
+    </a:lvl1pPr>
+    <a:lvl2pPr marL="457200" algn="l" defTabSz="457200" rtl="0" eaLnBrk="1" latinLnBrk="0" hangingPunct="1">
+      <a:defRPr sz="1200" kern="1200">
+        <a:solidFill>
+          <a:schemeClr val="tx1"/>
+        </a:solidFill>
+        <a:latin typeface="+mn-lt"/>
+        <a:ea typeface="+mn-ea"/>
+        <a:cs typeface="+mn-cs"/>
+      </a:defRPr>
+    </a:lvl2pPr>
+    <a:lvl3pPr marL="914400" algn="l" defTabSz="457200" rtl="0" eaLnBrk="1" latinLnBrk="0" hangingPunct="1">
+      <a:defRPr sz="1200" kern="1200">
+        <a:solidFill>
+          <a:schemeClr val="tx1"/>
+        </a:solidFill>
+        <a:latin typeface="+mn-lt"/>
+        <a:ea typeface="+mn-ea"/>
+        <a:cs typeface="+mn-cs"/>
+      </a:defRPr>
+    </a:lvl3pPr>
+    <a:lvl4pPr marL="1371600" algn="l" defTabSz="457200" rtl="0" eaLnBrk="1" latinLnBrk="0" hangingPunct="1">
+      <a:defRPr sz="1200" kern="1200">
+        <a:solidFill>
+          <a:schemeClr val="tx1"/>
+        </a:solidFill>
+        <a:latin typeface="+mn-lt"/>
+        <a:ea typeface="+mn-ea"/>
+        <a:cs typeface="+mn-cs"/>
+      </a:defRPr>
+    </a:lvl4pPr>
+    <a:lvl5pPr marL="1828800" algn="l" defTabSz="457200" rtl="0" eaLnBrk="1" latinLnBrk="0" hangingPunct="1">
+      <a:defRPr sz="1200" kern="1200">
+        <a:solidFill>
+          <a:schemeClr val="tx1"/>
+        </a:solidFill>
+        <a:latin typeface="+mn-lt"/>
+        <a:ea typeface="+mn-ea"/>
+        <a:cs typeface="+mn-cs"/>
+      </a:defRPr>
+    </a:lvl5pPr>
+    <a:lvl6pPr marL="2286000" algn="l" defTabSz="457200" rtl="0" eaLnBrk="1" latinLnBrk="0" hangingPunct="1">
+      <a:defRPr sz="1200" kern="1200">
+        <a:solidFill>
+          <a:schemeClr val="tx1"/>
+        </a:solidFill>
+        <a:latin typeface="+mn-lt"/>
+        <a:ea typeface="+mn-ea"/>
+        <a:cs typeface="+mn-cs"/>
+      </a:defRPr>
+    </a:lvl6pPr>
+    <a:lvl7pPr marL="2743200" algn="l" defTabSz="457200" rtl="0" eaLnBrk="1" latinLnBrk="0" hangingPunct="1">
+      <a:defRPr sz="1200" kern="1200">
+        <a:solidFill>
+          <a:schemeClr val="tx1"/>
+        </a:solidFill>
+        <a:latin typeface="+mn-lt"/>
+        <a:ea typeface="+mn-ea"/>
+        <a:cs typeface="+mn-cs"/>
+      </a:defRPr>
+    </a:lvl7pPr>
+    <a:lvl8pPr marL="3200400" algn="l" defTabSz="457200" rtl="0" eaLnBrk="1" latinLnBrk="0" hangingPunct="1">
+      <a:defRPr sz="1200" kern="1200">
+        <a:solidFill>
+          <a:schemeClr val="tx1"/>
+        </a:solidFill>
+        <a:latin typeface="+mn-lt"/>
+        <a:ea typeface="+mn-ea"/>
+        <a:cs typeface="+mn-cs"/>
+      </a:defRPr>
+    </a:lvl8pPr>
+    <a:lvl9pPr marL="3657600" algn="l" defTabSz="457200" rtl="0" eaLnBrk="1" latinLnBrk="0" hangingPunct="1">
+      <a:defRPr sz="1200" kern="1200">
+        <a:solidFill>
+          <a:schemeClr val="tx1"/>
+        </a:solidFill>
+        <a:latin typeface="+mn-lt"/>
+        <a:ea typeface="+mn-ea"/>
+        <a:cs typeface="+mn-cs"/>
+      </a:defRPr>
+    </a:lvl9pPr>
+  </p:notesStyle>
+</p:notesMaster>
+</file>
+
+<file path=ppt/notesSlides/notesSlide1.xml><?xml version="1.0" encoding="utf-8"?>
+<p:notes xmlns:a="http://schemas.openxmlformats.org/drawingml/2006/main" xmlns:r="http://schemas.openxmlformats.org/officeDocument/2006/relationships" xmlns:p="http://schemas.openxmlformats.org/presentationml/2006/main">
+  <p:cSld>
+    <p:spTree>
+      <p:nvGrpSpPr>
+        <p:cNvPr id="1" name=""/>
+        <p:cNvGrpSpPr/>
+        <p:nvPr/>
+      </p:nvGrpSpPr>
+      <p:grpSpPr>
+        <a:xfrm>
+          <a:off x="0" y="0"/>
+          <a:ext cx="0" cy="0"/>
+          <a:chOff x="0" y="0"/>
+          <a:chExt cx="0" cy="0"/>
+        </a:xfrm>
+      </p:grpSpPr>
+      <p:sp>
+        <p:nvSpPr>
+          <p:cNvPr id="2" name="Folienbildplatzhalter 1"/>
+          <p:cNvSpPr>
+            <a:spLocks noGrp="1" noRot="1" noChangeAspect="1"/>
+          </p:cNvSpPr>
+          <p:nvPr>
+            <p:ph type="sldImg"/>
+          </p:nvPr>
+        </p:nvSpPr>
+        <p:spPr/>
+      </p:sp>
+      <p:sp>
+        <p:nvSpPr>
+          <p:cNvPr id="3" name="Notizenplatzhalter 2"/>
+          <p:cNvSpPr>
+            <a:spLocks noGrp="1"/>
+          </p:cNvSpPr>
+          <p:nvPr>
+            <p:ph type="body" idx="1"/>
+          </p:nvPr>
+        </p:nvSpPr>
+        <p:spPr/>
+        <p:txBody>
+          <a:bodyPr/>
+          <a:lstStyle/>
+          <a:p>
+            <a:endParaRPr lang="de-DE" dirty="0"/>
+          </a:p>
+        </p:txBody>
+      </p:sp>
+      <p:sp>
+        <p:nvSpPr>
+          <p:cNvPr id="4" name="Foliennummernplatzhalter 3"/>
+          <p:cNvSpPr>
+            <a:spLocks noGrp="1"/>
+          </p:cNvSpPr>
+          <p:nvPr>
+            <p:ph type="sldNum" sz="quarter" idx="10"/>
+          </p:nvPr>
+        </p:nvSpPr>
+        <p:spPr/>
+        <p:txBody>
+          <a:bodyPr/>
+          <a:lstStyle/>
+          <a:p>
+            <a:fld id="{DCEF08BF-CE36-8D45-92A5-DD105B1C3FF0}" type="slidenum">
+              <a:rPr lang="de-DE" smtClean="0"/>
+              <a:t>2</a:t>
+            </a:fld>
+            <a:endParaRPr lang="de-DE"/>
+          </a:p>
+        </p:txBody>
+      </p:sp>
+    </p:spTree>
+    <p:extLst>
+      <p:ext uri="{BB962C8B-B14F-4D97-AF65-F5344CB8AC3E}">
+        <p14:creationId xmlns:p14="http://schemas.microsoft.com/office/powerpoint/2010/main" val="1620002200"/>
+      </p:ext>
+    </p:extLst>
+  </p:cSld>
+  <p:clrMapOvr>
+    <a:masterClrMapping/>
+  </p:clrMapOvr>
+</p:notes>
 </file>
 
 <file path=ppt/slideLayouts/slideLayout1.xml><?xml version="1.0" encoding="utf-8"?>
@@ -2224,15 +2661,19 @@
             </a:pPr>
             <a:r>
               <a:rPr lang="de-DE" sz="1100" dirty="0"/>
-              <a:t>ROTI steht für „Return </a:t>
-            </a:r>
-            <a:r>
-              <a:rPr lang="de-DE" sz="1100" dirty="0" err="1"/>
-              <a:t>of</a:t>
+              <a:t>ROTI steht für „</a:t>
+            </a:r>
+            <a:r>
+              <a:rPr lang="de-DE" sz="1100"/>
+              <a:t>Return </a:t>
+            </a:r>
+            <a:r>
+              <a:rPr lang="de-DE" sz="1100" smtClean="0"/>
+              <a:t>on </a:t>
             </a:r>
             <a:r>
               <a:rPr lang="de-DE" sz="1100" dirty="0"/>
-              <a:t> time </a:t>
+              <a:t>time </a:t>
             </a:r>
             <a:r>
               <a:rPr lang="de-DE" sz="1100" dirty="0" err="1"/>
@@ -2451,7 +2892,7 @@
           <p:nvPr/>
         </p:nvPicPr>
         <p:blipFill>
-          <a:blip r:embed="rId2">
+          <a:blip r:embed="rId3">
             <a:extLst>
               <a:ext uri="{28A0092B-C50C-407E-A947-70E740481C1C}">
                 <a14:useLocalDpi xmlns:a14="http://schemas.microsoft.com/office/drawing/2010/main" val="0"/>
@@ -2518,15 +2959,7 @@
             </a:br>
             <a:r>
               <a:rPr lang="de-DE" sz="1100" dirty="0" smtClean="0"/>
-              <a:t>investierte Zeit </a:t>
-            </a:r>
-            <a:r>
-              <a:rPr lang="de-DE" sz="1100" dirty="0" smtClean="0"/>
-              <a:t>für Dich eingesetzt </a:t>
-            </a:r>
-            <a:r>
-              <a:rPr lang="de-DE" sz="1100" dirty="0" smtClean="0"/>
-              <a:t>war.</a:t>
+              <a:t>investierte Zeit für Dich eingesetzt war.</a:t>
             </a:r>
           </a:p>
           <a:p>
@@ -2584,13 +3017,8 @@
             </a:pPr>
             <a:r>
               <a:rPr lang="de-DE" sz="1100" dirty="0" smtClean="0"/>
-              <a:t>Notiere Dir Deine </a:t>
-            </a:r>
-            <a:r>
-              <a:rPr lang="de-DE" sz="1100" dirty="0" smtClean="0"/>
-              <a:t>Bewertung.</a:t>
-            </a:r>
-            <a:endParaRPr lang="de-DE" sz="1100" dirty="0" smtClean="0"/>
+              <a:t>Notiere Dir Deine Bewertung.</a:t>
+            </a:r>
           </a:p>
           <a:p>
             <a:pPr>
@@ -2652,20 +3080,12 @@
               <a:rPr lang="de-DE" sz="1100" dirty="0" smtClean="0"/>
               <a:t>ewertungen berechnen. Du kannst diesen Move wiederholen, die </a:t>
             </a:r>
-            <a:r>
-              <a:rPr lang="de-DE" sz="1100" dirty="0" smtClean="0"/>
-              <a:t/>
-            </a:r>
             <a:br>
               <a:rPr lang="de-DE" sz="1100" dirty="0" smtClean="0"/>
             </a:br>
             <a:r>
               <a:rPr lang="de-DE" sz="1100" dirty="0" smtClean="0"/>
-              <a:t>Durchschnittswerte </a:t>
-            </a:r>
-            <a:r>
-              <a:rPr lang="de-DE" sz="1100" dirty="0" smtClean="0"/>
-              <a:t>vergleichen und reflektieren, ob sich </a:t>
+              <a:t>Durchschnittswerte vergleichen und reflektieren, ob sich </a:t>
             </a:r>
             <a:br>
               <a:rPr lang="de-DE" sz="1100" dirty="0" smtClean="0"/>
@@ -2812,7 +3232,7 @@
                 <a:ea typeface="Calibri"/>
                 <a:cs typeface="Avenir Light"/>
                 <a:sym typeface="Calibri"/>
-                <a:hlinkClick r:id="rId3"/>
+                <a:hlinkClick r:id="rId4"/>
               </a:rPr>
               <a:t>http://creativecommons.org/licenses/by-nc-nd/4.0/</a:t>
             </a:r>
@@ -2835,7 +3255,7 @@
           <p:nvPr/>
         </p:nvPicPr>
         <p:blipFill>
-          <a:blip r:embed="rId4">
+          <a:blip r:embed="rId5">
             <a:extLst/>
           </a:blip>
           <a:stretch>
@@ -3506,4 +3926,324 @@
   </a:objectDefaults>
   <a:extraClrSchemeLst/>
 </a:theme>
+</file>
+
+<file path=ppt/theme/theme3.xml><?xml version="1.0" encoding="utf-8"?>
+<a:theme xmlns:a="http://schemas.openxmlformats.org/drawingml/2006/main" name="Office-Design">
+  <a:themeElements>
+    <a:clrScheme name="Office">
+      <a:dk1>
+        <a:sysClr val="windowText" lastClr="000000"/>
+      </a:dk1>
+      <a:lt1>
+        <a:sysClr val="window" lastClr="FFFFFF"/>
+      </a:lt1>
+      <a:dk2>
+        <a:srgbClr val="1F497D"/>
+      </a:dk2>
+      <a:lt2>
+        <a:srgbClr val="EEECE1"/>
+      </a:lt2>
+      <a:accent1>
+        <a:srgbClr val="4F81BD"/>
+      </a:accent1>
+      <a:accent2>
+        <a:srgbClr val="C0504D"/>
+      </a:accent2>
+      <a:accent3>
+        <a:srgbClr val="9BBB59"/>
+      </a:accent3>
+      <a:accent4>
+        <a:srgbClr val="8064A2"/>
+      </a:accent4>
+      <a:accent5>
+        <a:srgbClr val="4BACC6"/>
+      </a:accent5>
+      <a:accent6>
+        <a:srgbClr val="F79646"/>
+      </a:accent6>
+      <a:hlink>
+        <a:srgbClr val="0000FF"/>
+      </a:hlink>
+      <a:folHlink>
+        <a:srgbClr val="800080"/>
+      </a:folHlink>
+    </a:clrScheme>
+    <a:fontScheme name="Office">
+      <a:majorFont>
+        <a:latin typeface="Calibri"/>
+        <a:ea typeface=""/>
+        <a:cs typeface=""/>
+        <a:font script="Jpan" typeface="ＭＳ Ｐゴシック"/>
+        <a:font script="Hang" typeface="맑은 고딕"/>
+        <a:font script="Hans" typeface="宋体"/>
+        <a:font script="Hant" typeface="新細明體"/>
+        <a:font script="Arab" typeface="Times New Roman"/>
+        <a:font script="Hebr" typeface="Times New Roman"/>
+        <a:font script="Thai" typeface="Angsana New"/>
+        <a:font script="Ethi" typeface="Nyala"/>
+        <a:font script="Beng" typeface="Vrinda"/>
+        <a:font script="Gujr" typeface="Shruti"/>
+        <a:font script="Khmr" typeface="MoolBoran"/>
+        <a:font script="Knda" typeface="Tunga"/>
+        <a:font script="Guru" typeface="Raavi"/>
+        <a:font script="Cans" typeface="Euphemia"/>
+        <a:font script="Cher" typeface="Plantagenet Cherokee"/>
+        <a:font script="Yiii" typeface="Microsoft Yi Baiti"/>
+        <a:font script="Tibt" typeface="Microsoft Himalaya"/>
+        <a:font script="Thaa" typeface="MV Boli"/>
+        <a:font script="Deva" typeface="Mangal"/>
+        <a:font script="Telu" typeface="Gautami"/>
+        <a:font script="Taml" typeface="Latha"/>
+        <a:font script="Syrc" typeface="Estrangelo Edessa"/>
+        <a:font script="Orya" typeface="Kalinga"/>
+        <a:font script="Mlym" typeface="Kartika"/>
+        <a:font script="Laoo" typeface="DokChampa"/>
+        <a:font script="Sinh" typeface="Iskoola Pota"/>
+        <a:font script="Mong" typeface="Mongolian Baiti"/>
+        <a:font script="Viet" typeface="Times New Roman"/>
+        <a:font script="Uigh" typeface="Microsoft Uighur"/>
+        <a:font script="Geor" typeface="Sylfaen"/>
+      </a:majorFont>
+      <a:minorFont>
+        <a:latin typeface="Calibri"/>
+        <a:ea typeface=""/>
+        <a:cs typeface=""/>
+        <a:font script="Jpan" typeface="ＭＳ Ｐゴシック"/>
+        <a:font script="Hang" typeface="맑은 고딕"/>
+        <a:font script="Hans" typeface="宋体"/>
+        <a:font script="Hant" typeface="新細明體"/>
+        <a:font script="Arab" typeface="Arial"/>
+        <a:font script="Hebr" typeface="Arial"/>
+        <a:font script="Thai" typeface="Cordia New"/>
+        <a:font script="Ethi" typeface="Nyala"/>
+        <a:font script="Beng" typeface="Vrinda"/>
+        <a:font script="Gujr" typeface="Shruti"/>
+        <a:font script="Khmr" typeface="DaunPenh"/>
+        <a:font script="Knda" typeface="Tunga"/>
+        <a:font script="Guru" typeface="Raavi"/>
+        <a:font script="Cans" typeface="Euphemia"/>
+        <a:font script="Cher" typeface="Plantagenet Cherokee"/>
+        <a:font script="Yiii" typeface="Microsoft Yi Baiti"/>
+        <a:font script="Tibt" typeface="Microsoft Himalaya"/>
+        <a:font script="Thaa" typeface="MV Boli"/>
+        <a:font script="Deva" typeface="Mangal"/>
+        <a:font script="Telu" typeface="Gautami"/>
+        <a:font script="Taml" typeface="Latha"/>
+        <a:font script="Syrc" typeface="Estrangelo Edessa"/>
+        <a:font script="Orya" typeface="Kalinga"/>
+        <a:font script="Mlym" typeface="Kartika"/>
+        <a:font script="Laoo" typeface="DokChampa"/>
+        <a:font script="Sinh" typeface="Iskoola Pota"/>
+        <a:font script="Mong" typeface="Mongolian Baiti"/>
+        <a:font script="Viet" typeface="Arial"/>
+        <a:font script="Uigh" typeface="Microsoft Uighur"/>
+        <a:font script="Geor" typeface="Sylfaen"/>
+      </a:minorFont>
+    </a:fontScheme>
+    <a:fmtScheme name="Office">
+      <a:fillStyleLst>
+        <a:solidFill>
+          <a:schemeClr val="phClr"/>
+        </a:solidFill>
+        <a:gradFill rotWithShape="1">
+          <a:gsLst>
+            <a:gs pos="0">
+              <a:schemeClr val="phClr">
+                <a:tint val="50000"/>
+                <a:satMod val="300000"/>
+              </a:schemeClr>
+            </a:gs>
+            <a:gs pos="35000">
+              <a:schemeClr val="phClr">
+                <a:tint val="37000"/>
+                <a:satMod val="300000"/>
+              </a:schemeClr>
+            </a:gs>
+            <a:gs pos="100000">
+              <a:schemeClr val="phClr">
+                <a:tint val="15000"/>
+                <a:satMod val="350000"/>
+              </a:schemeClr>
+            </a:gs>
+          </a:gsLst>
+          <a:lin ang="16200000" scaled="1"/>
+        </a:gradFill>
+        <a:gradFill rotWithShape="1">
+          <a:gsLst>
+            <a:gs pos="0">
+              <a:schemeClr val="phClr">
+                <a:tint val="100000"/>
+                <a:shade val="100000"/>
+                <a:satMod val="130000"/>
+              </a:schemeClr>
+            </a:gs>
+            <a:gs pos="100000">
+              <a:schemeClr val="phClr">
+                <a:tint val="50000"/>
+                <a:shade val="100000"/>
+                <a:satMod val="350000"/>
+              </a:schemeClr>
+            </a:gs>
+          </a:gsLst>
+          <a:lin ang="16200000" scaled="0"/>
+        </a:gradFill>
+      </a:fillStyleLst>
+      <a:lnStyleLst>
+        <a:ln w="9525" cap="flat" cmpd="sng" algn="ctr">
+          <a:solidFill>
+            <a:schemeClr val="phClr">
+              <a:shade val="95000"/>
+              <a:satMod val="105000"/>
+            </a:schemeClr>
+          </a:solidFill>
+          <a:prstDash val="solid"/>
+        </a:ln>
+        <a:ln w="25400" cap="flat" cmpd="sng" algn="ctr">
+          <a:solidFill>
+            <a:schemeClr val="phClr"/>
+          </a:solidFill>
+          <a:prstDash val="solid"/>
+        </a:ln>
+        <a:ln w="38100" cap="flat" cmpd="sng" algn="ctr">
+          <a:solidFill>
+            <a:schemeClr val="phClr"/>
+          </a:solidFill>
+          <a:prstDash val="solid"/>
+        </a:ln>
+      </a:lnStyleLst>
+      <a:effectStyleLst>
+        <a:effectStyle>
+          <a:effectLst>
+            <a:outerShdw blurRad="40000" dist="20000" dir="5400000" rotWithShape="0">
+              <a:srgbClr val="000000">
+                <a:alpha val="38000"/>
+              </a:srgbClr>
+            </a:outerShdw>
+          </a:effectLst>
+        </a:effectStyle>
+        <a:effectStyle>
+          <a:effectLst>
+            <a:outerShdw blurRad="40000" dist="23000" dir="5400000" rotWithShape="0">
+              <a:srgbClr val="000000">
+                <a:alpha val="35000"/>
+              </a:srgbClr>
+            </a:outerShdw>
+          </a:effectLst>
+        </a:effectStyle>
+        <a:effectStyle>
+          <a:effectLst>
+            <a:outerShdw blurRad="40000" dist="23000" dir="5400000" rotWithShape="0">
+              <a:srgbClr val="000000">
+                <a:alpha val="35000"/>
+              </a:srgbClr>
+            </a:outerShdw>
+          </a:effectLst>
+          <a:scene3d>
+            <a:camera prst="orthographicFront">
+              <a:rot lat="0" lon="0" rev="0"/>
+            </a:camera>
+            <a:lightRig rig="threePt" dir="t">
+              <a:rot lat="0" lon="0" rev="1200000"/>
+            </a:lightRig>
+          </a:scene3d>
+          <a:sp3d>
+            <a:bevelT w="63500" h="25400"/>
+          </a:sp3d>
+        </a:effectStyle>
+      </a:effectStyleLst>
+      <a:bgFillStyleLst>
+        <a:solidFill>
+          <a:schemeClr val="phClr"/>
+        </a:solidFill>
+        <a:gradFill rotWithShape="1">
+          <a:gsLst>
+            <a:gs pos="0">
+              <a:schemeClr val="phClr">
+                <a:tint val="40000"/>
+                <a:satMod val="350000"/>
+              </a:schemeClr>
+            </a:gs>
+            <a:gs pos="40000">
+              <a:schemeClr val="phClr">
+                <a:tint val="45000"/>
+                <a:shade val="99000"/>
+                <a:satMod val="350000"/>
+              </a:schemeClr>
+            </a:gs>
+            <a:gs pos="100000">
+              <a:schemeClr val="phClr">
+                <a:shade val="20000"/>
+                <a:satMod val="255000"/>
+              </a:schemeClr>
+            </a:gs>
+          </a:gsLst>
+          <a:path path="circle">
+            <a:fillToRect l="50000" t="-80000" r="50000" b="180000"/>
+          </a:path>
+        </a:gradFill>
+        <a:gradFill rotWithShape="1">
+          <a:gsLst>
+            <a:gs pos="0">
+              <a:schemeClr val="phClr">
+                <a:tint val="80000"/>
+                <a:satMod val="300000"/>
+              </a:schemeClr>
+            </a:gs>
+            <a:gs pos="100000">
+              <a:schemeClr val="phClr">
+                <a:shade val="30000"/>
+                <a:satMod val="200000"/>
+              </a:schemeClr>
+            </a:gs>
+          </a:gsLst>
+          <a:path path="circle">
+            <a:fillToRect l="50000" t="50000" r="50000" b="50000"/>
+          </a:path>
+        </a:gradFill>
+      </a:bgFillStyleLst>
+    </a:fmtScheme>
+  </a:themeElements>
+  <a:objectDefaults>
+    <a:spDef>
+      <a:spPr/>
+      <a:bodyPr/>
+      <a:lstStyle/>
+      <a:style>
+        <a:lnRef idx="1">
+          <a:schemeClr val="accent1"/>
+        </a:lnRef>
+        <a:fillRef idx="3">
+          <a:schemeClr val="accent1"/>
+        </a:fillRef>
+        <a:effectRef idx="2">
+          <a:schemeClr val="accent1"/>
+        </a:effectRef>
+        <a:fontRef idx="minor">
+          <a:schemeClr val="lt1"/>
+        </a:fontRef>
+      </a:style>
+    </a:spDef>
+    <a:lnDef>
+      <a:spPr/>
+      <a:bodyPr/>
+      <a:lstStyle/>
+      <a:style>
+        <a:lnRef idx="2">
+          <a:schemeClr val="accent1"/>
+        </a:lnRef>
+        <a:fillRef idx="0">
+          <a:schemeClr val="accent1"/>
+        </a:fillRef>
+        <a:effectRef idx="1">
+          <a:schemeClr val="accent1"/>
+        </a:effectRef>
+        <a:fontRef idx="minor">
+          <a:schemeClr val="tx1"/>
+        </a:fontRef>
+      </a:style>
+    </a:lnDef>
+  </a:objectDefaults>
+  <a:extraClrSchemeLst/>
+</a:theme>
 </file>
--- a/training-cards/emotional erwachsen/Perception (PER)/ger/apprentice/ger_PER_09_Mein_ROTI_EE_A.pptx
+++ b/training-cards/emotional erwachsen/Perception (PER)/ger/apprentice/ger_PER_09_Mein_ROTI_EE_A.pptx
@@ -2647,7 +2647,31 @@
             </a:pPr>
             <a:r>
               <a:rPr lang="de-DE" sz="1100" dirty="0"/>
-              <a:t>Eine einfache Möglichkeit, eine Wahrnehmung dafür zu entwickeln, wie „für mich selbst sinnvoll“ ich meine Zeit einsetze, ist eine ROTI.</a:t>
+              <a:t>Eine einfache Möglichkeit, eine Wahrnehmung dafür zu </a:t>
+            </a:r>
+            <a:r>
+              <a:rPr lang="de-DE" sz="1100" dirty="0" smtClean="0"/>
+              <a:t>entwickeln</a:t>
+            </a:r>
+            <a:r>
+              <a:rPr lang="de-DE" sz="1100" dirty="0"/>
+              <a:t>, </a:t>
+            </a:r>
+            <a:r>
+              <a:rPr lang="de-DE" sz="1100" dirty="0"/>
+              <a:t>wie ich meine Zeit </a:t>
+            </a:r>
+            <a:r>
+              <a:rPr lang="de-DE" sz="1100" dirty="0"/>
+              <a:t>„für mich selbst sinnvoll</a:t>
+            </a:r>
+            <a:r>
+              <a:rPr lang="de-DE" sz="1100" dirty="0" smtClean="0"/>
+              <a:t>“ einsetze</a:t>
+            </a:r>
+            <a:r>
+              <a:rPr lang="de-DE" sz="1100" dirty="0"/>
+              <a:t>, ist eine ROTI.</a:t>
             </a:r>
           </a:p>
           <a:p>
@@ -2661,14 +2685,10 @@
             </a:pPr>
             <a:r>
               <a:rPr lang="de-DE" sz="1100" dirty="0"/>
-              <a:t>ROTI steht für „</a:t>
-            </a:r>
-            <a:r>
-              <a:rPr lang="de-DE" sz="1100"/>
-              <a:t>Return </a:t>
-            </a:r>
-            <a:r>
-              <a:rPr lang="de-DE" sz="1100" smtClean="0"/>
+              <a:t>ROTI steht für „Return </a:t>
+            </a:r>
+            <a:r>
+              <a:rPr lang="de-DE" sz="1100" dirty="0" smtClean="0"/>
               <a:t>on </a:t>
             </a:r>
             <a:r>
@@ -2812,15 +2832,19 @@
             </a:pPr>
             <a:r>
               <a:rPr lang="de-DE" sz="1100" dirty="0"/>
-              <a:t>Weitere Anregungen bieten beispielsweise die </a:t>
-            </a:r>
-            <a:r>
-              <a:rPr lang="de-DE" sz="1100" dirty="0" err="1"/>
+              <a:t>Weitere Anregungen bieten beispielsweise </a:t>
+            </a:r>
+            <a:r>
+              <a:rPr lang="de-DE" sz="1100" dirty="0" err="1" smtClean="0"/>
               <a:t>Tomatenmoves</a:t>
             </a:r>
             <a:r>
+              <a:rPr lang="de-DE" sz="1100" dirty="0" smtClean="0"/>
+              <a:t> </a:t>
+            </a:r>
+            <a:r>
               <a:rPr lang="de-DE" sz="1100" dirty="0"/>
-              <a:t> (z.B. TOM 01, 02, 03) und Meeting </a:t>
+              <a:t>(z.B. TOM 01, 02, 03) und Meeting </a:t>
             </a:r>
             <a:r>
               <a:rPr lang="de-DE" sz="1100" dirty="0" err="1"/>
@@ -3031,7 +3055,19 @@
             </a:pPr>
             <a:r>
               <a:rPr lang="de-DE" sz="1100" dirty="0" smtClean="0"/>
-              <a:t>Bewerte auf diese Weise in zwei Wochen 8 verschiedene Aufgaben.</a:t>
+              <a:t>Bewerte auf diese Weise in zwei </a:t>
+            </a:r>
+            <a:r>
+              <a:rPr lang="de-DE" sz="1100" smtClean="0"/>
+              <a:t>Wochen </a:t>
+            </a:r>
+            <a:r>
+              <a:rPr lang="de-DE" sz="1100" smtClean="0"/>
+              <a:t>acht </a:t>
+            </a:r>
+            <a:r>
+              <a:rPr lang="de-DE" sz="1100" dirty="0" smtClean="0"/>
+              <a:t>verschiedene Aufgaben.</a:t>
             </a:r>
           </a:p>
           <a:p>

--- a/training-cards/emotional erwachsen/Perception (PER)/ger/apprentice/ger_PER_09_Mein_ROTI_EE_A.pptx
+++ b/training-cards/emotional erwachsen/Perception (PER)/ger/apprentice/ger_PER_09_Mein_ROTI_EE_A.pptx
@@ -113,7 +113,7 @@
   </p:defaultTextStyle>
   <p:extLst>
     <p:ext uri="{EFAFB233-063F-42B5-8137-9DF3F51BA10A}">
-      <p15:sldGuideLst xmlns:p15="http://schemas.microsoft.com/office/powerpoint/2012/main" xmlns="">
+      <p15:sldGuideLst xmlns="" xmlns:p15="http://schemas.microsoft.com/office/powerpoint/2012/main">
         <p15:guide id="1" orient="horz" pos="872">
           <p15:clr>
             <a:srgbClr val="A4A3A4"/>
@@ -212,7 +212,7 @@
           <a:p>
             <a:fld id="{6E077CBB-2DF5-4D45-BDDD-22DB2684D07E}" type="datetimeFigureOut">
               <a:rPr lang="de-DE" smtClean="0"/>
-              <a:t>23.11.15</a:t>
+              <a:t>24.11.15</a:t>
             </a:fld>
             <a:endParaRPr lang="de-DE"/>
           </a:p>
@@ -377,7 +377,7 @@
           <a:p>
             <a:fld id="{AF95E308-9EC0-7249-8680-B2EBC3A763F1}" type="datetimeFigureOut">
               <a:rPr lang="de-DE" smtClean="0"/>
-              <a:t>23.11.15</a:t>
+              <a:t>24.11.15</a:t>
             </a:fld>
             <a:endParaRPr lang="de-DE"/>
           </a:p>
@@ -1982,7 +1982,7 @@
           <a:p>
             <a:fld id="{FF5B2BAF-DF38-0A48-A798-0C06E514FD52}" type="datetimeFigureOut">
               <a:rPr lang="de-DE" smtClean="0"/>
-              <a:t>23.11.15</a:t>
+              <a:t>24.11.15</a:t>
             </a:fld>
             <a:endParaRPr lang="de-DE" dirty="0"/>
           </a:p>
@@ -2633,247 +2633,143 @@
         </p:spPr>
         <p:txBody>
           <a:bodyPr>
-            <a:normAutofit fontScale="85000" lnSpcReduction="10000"/>
+            <a:noAutofit/>
           </a:bodyPr>
           <a:lstStyle/>
           <a:p>
             <a:pPr>
               <a:lnSpc>
-                <a:spcPts val="1300"/>
+                <a:spcPts val="1200"/>
               </a:lnSpc>
               <a:spcBef>
-                <a:spcPts val="500"/>
+                <a:spcPts val="800"/>
               </a:spcBef>
             </a:pPr>
             <a:r>
-              <a:rPr lang="de-DE" sz="1100" dirty="0"/>
-              <a:t>Eine einfache Möglichkeit, eine Wahrnehmung dafür zu </a:t>
-            </a:r>
-            <a:r>
-              <a:rPr lang="de-DE" sz="1100" dirty="0" smtClean="0"/>
-              <a:t>entwickeln</a:t>
-            </a:r>
-            <a:r>
-              <a:rPr lang="de-DE" sz="1100" dirty="0"/>
-              <a:t>, </a:t>
-            </a:r>
-            <a:r>
-              <a:rPr lang="de-DE" sz="1100" dirty="0"/>
-              <a:t>wie ich meine Zeit </a:t>
-            </a:r>
-            <a:r>
-              <a:rPr lang="de-DE" sz="1100" dirty="0"/>
-              <a:t>„für mich selbst sinnvoll</a:t>
-            </a:r>
-            <a:r>
-              <a:rPr lang="de-DE" sz="1100" dirty="0" smtClean="0"/>
-              <a:t>“ einsetze</a:t>
-            </a:r>
-            <a:r>
-              <a:rPr lang="de-DE" sz="1100" dirty="0"/>
-              <a:t>, ist eine ROTI.</a:t>
+              <a:rPr lang="de-DE" dirty="0"/>
+              <a:t>Eine einfache Möglichkeit, eine Wahrnehmung dafür zu entwickeln, wie ich meine Zeit „für mich selbst sinnvoll“  einsetze, ist eine ROTI.</a:t>
             </a:r>
           </a:p>
           <a:p>
             <a:pPr>
               <a:lnSpc>
-                <a:spcPts val="1300"/>
+                <a:spcPts val="1200"/>
               </a:lnSpc>
               <a:spcBef>
-                <a:spcPts val="500"/>
+                <a:spcPts val="800"/>
               </a:spcBef>
             </a:pPr>
             <a:r>
-              <a:rPr lang="de-DE" sz="1100" dirty="0"/>
-              <a:t>ROTI steht für „Return </a:t>
-            </a:r>
-            <a:r>
-              <a:rPr lang="de-DE" sz="1100" dirty="0" smtClean="0"/>
-              <a:t>on </a:t>
-            </a:r>
-            <a:r>
-              <a:rPr lang="de-DE" sz="1100" dirty="0"/>
-              <a:t>time </a:t>
-            </a:r>
-            <a:r>
-              <a:rPr lang="de-DE" sz="1100" dirty="0" err="1"/>
+              <a:rPr lang="de-DE" dirty="0"/>
+              <a:t>ROTI steht für „Return on time </a:t>
+            </a:r>
+            <a:r>
+              <a:rPr lang="de-DE" dirty="0" err="1"/>
               <a:t>invested</a:t>
             </a:r>
             <a:r>
-              <a:rPr lang="de-DE" sz="1100" dirty="0"/>
+              <a:rPr lang="de-DE" dirty="0"/>
               <a:t>“ und ist ein Maß dafür, ob ich persönlich das Gefühl habe, dass mir die Arbeit, die ich geleistet habe, etwas gebracht hat und ob dies im Verhältnis zur investierten Zeit steht.</a:t>
             </a:r>
           </a:p>
           <a:p>
             <a:pPr>
               <a:lnSpc>
-                <a:spcPts val="1300"/>
+                <a:spcPts val="1200"/>
               </a:lnSpc>
               <a:spcBef>
-                <a:spcPts val="500"/>
+                <a:spcPts val="800"/>
               </a:spcBef>
             </a:pPr>
             <a:r>
-              <a:rPr lang="de-DE" sz="1100" dirty="0"/>
-              <a:t>Es geht nicht um Leistung, sondern um sinnvoll eingesetzte Zeit. Nicht nur Deine Arbeit, auch eine bewusste Pause oder ein Mittagsschlaf kann sinnvoll eingesetzte Zeit sein. Was für Dich sinnvoll ist, kannst Du nur selbst entscheiden.</a:t>
+              <a:rPr lang="de-DE" dirty="0"/>
+              <a:t>Es geht nicht um Leistung, sondern um sinnvoll eingesetzte Zeit. Nicht nur Deine Arbeit, auch eine bewusste Pause oder ein Mittagsschlaf kann sinnvoll eingesetzte Zeit sein. Was für Dich sinnvoll ist, kannst nur Du selbst entscheiden.</a:t>
             </a:r>
           </a:p>
           <a:p>
             <a:pPr>
               <a:lnSpc>
-                <a:spcPts val="1300"/>
+                <a:spcPts val="1200"/>
               </a:lnSpc>
               <a:spcBef>
-                <a:spcPts val="500"/>
+                <a:spcPts val="800"/>
               </a:spcBef>
             </a:pPr>
             <a:r>
-              <a:rPr lang="de-DE" sz="1100" dirty="0"/>
-              <a:t>Je zufriedener </a:t>
-            </a:r>
-            <a:r>
-              <a:rPr lang="de-DE" sz="1100" dirty="0" smtClean="0"/>
-              <a:t>Du mit Deiner </a:t>
-            </a:r>
-            <a:r>
-              <a:rPr lang="de-DE" sz="1100" dirty="0"/>
-              <a:t>investierten Zeit </a:t>
-            </a:r>
-            <a:r>
-              <a:rPr lang="de-DE" sz="1100" dirty="0" smtClean="0"/>
-              <a:t>bist, </a:t>
-            </a:r>
-            <a:r>
-              <a:rPr lang="de-DE" sz="1100" dirty="0"/>
-              <a:t>desto besser geht es </a:t>
-            </a:r>
-            <a:r>
-              <a:rPr lang="de-DE" sz="1100" dirty="0" smtClean="0"/>
-              <a:t>Dir </a:t>
-            </a:r>
-            <a:r>
-              <a:rPr lang="de-DE" sz="1100" dirty="0"/>
-              <a:t>und das wirkt auch nach außen. Nur wenn es </a:t>
-            </a:r>
-            <a:r>
-              <a:rPr lang="de-DE" sz="1100" dirty="0" smtClean="0"/>
-              <a:t>Dir </a:t>
-            </a:r>
-            <a:r>
-              <a:rPr lang="de-DE" sz="1100" dirty="0"/>
-              <a:t>gut geht, </a:t>
-            </a:r>
-            <a:r>
-              <a:rPr lang="de-DE" sz="1100" dirty="0" smtClean="0"/>
-              <a:t>kannst Du wirklich </a:t>
-            </a:r>
-            <a:r>
-              <a:rPr lang="de-DE" sz="1100" dirty="0"/>
-              <a:t>für andere da sein.</a:t>
+              <a:rPr lang="de-DE" dirty="0"/>
+              <a:t>Je zufriedener Du mit Deiner investierten Zeit bist, desto besser geht es Dir und das wirkt auch nach außen. Nur wenn es Dir gut geht, kannst Du wirklich für andere da sein.</a:t>
             </a:r>
           </a:p>
           <a:p>
             <a:pPr>
               <a:lnSpc>
-                <a:spcPts val="1300"/>
+                <a:spcPts val="1200"/>
               </a:lnSpc>
               <a:spcBef>
-                <a:spcPts val="500"/>
+                <a:spcPts val="800"/>
               </a:spcBef>
             </a:pPr>
             <a:r>
-              <a:rPr lang="de-DE" sz="1100" dirty="0"/>
-              <a:t>Wenn Deine Bewertungen oft nicht gut ausfallen, kannst Du dies zum Anlass nehmen, darüber nachzudenken, wie es sein müsste, damit Du ein „sehr gut“ vergeben </a:t>
-            </a:r>
-            <a:r>
-              <a:rPr lang="de-DE" sz="1100" dirty="0" smtClean="0"/>
-              <a:t>kannst. "</a:t>
-            </a:r>
-            <a:r>
-              <a:rPr lang="de-DE" sz="1100" dirty="0"/>
-              <a:t>Noch mehr vom </a:t>
-            </a:r>
-            <a:r>
-              <a:rPr lang="de-DE" sz="1100" dirty="0" smtClean="0"/>
-              <a:t>Gleichen“ bzw. Dich noch mehr anzustrengen, </a:t>
-            </a:r>
-            <a:r>
-              <a:rPr lang="de-DE" sz="1100" dirty="0"/>
-              <a:t>ist dabei keine Lösung, die Deine ROTI-Bewertung besser werden lässt</a:t>
-            </a:r>
-            <a:r>
-              <a:rPr lang="de-DE" sz="1100" dirty="0" smtClean="0"/>
+              <a:rPr lang="de-DE" dirty="0"/>
+              <a:t>Wenn Deine Bewertungen oft nicht gut ausfallen, kannst Du dies zum Anlass nehmen, darüber nachzudenken, wie es sein müsste, damit Du ein „sehr gut“ vergeben kannst.   "Noch mehr vom Gleichen" “ bzw. Dich noch mehr anzustrengen, ist dabei keine Lösung, die Deine ROTI-Bewertung besser werden lässt</a:t>
+            </a:r>
+            <a:r>
+              <a:rPr lang="de-DE" dirty="0" smtClean="0"/>
               <a:t>.</a:t>
             </a:r>
-            <a:endParaRPr lang="de-DE" sz="1100" dirty="0"/>
+            <a:endParaRPr lang="de-DE" dirty="0"/>
           </a:p>
           <a:p>
             <a:pPr>
               <a:lnSpc>
-                <a:spcPts val="1300"/>
+                <a:spcPts val="1200"/>
               </a:lnSpc>
               <a:spcBef>
-                <a:spcPts val="500"/>
+                <a:spcPts val="800"/>
               </a:spcBef>
             </a:pPr>
             <a:r>
-              <a:rPr lang="de-DE" sz="1100" dirty="0"/>
+              <a:rPr lang="de-DE" dirty="0"/>
               <a:t>Du trägst die Verantwortung für Deine Zeit, auch wenn Du nicht immer frei darüber bestimmen kannst. Es gibt viele Möglichkeiten, Verbesserungen zu erreichen.  Auch dann, wenn andere involviert sind wie z.B. in Besprechungen. Der erste Schritt ist, eine Wahrnehmung dafür zu entwickeln.</a:t>
             </a:r>
           </a:p>
           <a:p>
             <a:pPr>
               <a:lnSpc>
-                <a:spcPts val="1300"/>
+                <a:spcPts val="1200"/>
               </a:lnSpc>
               <a:spcBef>
-                <a:spcPts val="500"/>
+                <a:spcPts val="800"/>
               </a:spcBef>
             </a:pPr>
             <a:r>
-              <a:rPr lang="de-DE" sz="1100" dirty="0"/>
-              <a:t>Weitere Anregungen bieten beispielsweise </a:t>
-            </a:r>
-            <a:r>
-              <a:rPr lang="de-DE" sz="1100" dirty="0" err="1" smtClean="0"/>
+              <a:rPr lang="de-DE" dirty="0"/>
+              <a:t>Weitere Anregungen bieten beispielsweise die </a:t>
+            </a:r>
+            <a:r>
+              <a:rPr lang="de-DE" dirty="0" err="1"/>
               <a:t>Tomatenmoves</a:t>
             </a:r>
             <a:r>
-              <a:rPr lang="de-DE" sz="1100" dirty="0" smtClean="0"/>
+              <a:rPr lang="de-DE" dirty="0"/>
+              <a:t> (z.B. TOM 01, 02, 03) und Meeting </a:t>
+            </a:r>
+            <a:r>
+              <a:rPr lang="de-DE" dirty="0" err="1"/>
+              <a:t>Moves</a:t>
+            </a:r>
+            <a:r>
+              <a:rPr lang="de-DE" dirty="0"/>
               <a:t> </a:t>
             </a:r>
             <a:r>
-              <a:rPr lang="de-DE" sz="1100" dirty="0"/>
-              <a:t>(z.B. TOM 01, 02, 03) und Meeting </a:t>
-            </a:r>
-            <a:r>
-              <a:rPr lang="de-DE" sz="1100" dirty="0" err="1"/>
-              <a:t>Moves</a:t>
-            </a:r>
-            <a:r>
-              <a:rPr lang="de-DE" sz="1100" dirty="0"/>
-              <a:t> </a:t>
-            </a:r>
-            <a:r>
-              <a:rPr lang="de-DE" sz="1100" dirty="0" smtClean="0"/>
-              <a:t/>
-            </a:r>
-            <a:br>
-              <a:rPr lang="de-DE" sz="1100" dirty="0" smtClean="0"/>
-            </a:br>
-            <a:r>
-              <a:rPr lang="de-DE" sz="1100" dirty="0" smtClean="0"/>
+              <a:rPr lang="de-DE" dirty="0" smtClean="0"/>
               <a:t>(</a:t>
             </a:r>
             <a:r>
-              <a:rPr lang="de-DE" sz="1100" dirty="0"/>
-              <a:t>z.B. TOM 06</a:t>
-            </a:r>
-            <a:r>
-              <a:rPr lang="de-DE" sz="1100" dirty="0" smtClean="0"/>
-              <a:t>).</a:t>
-            </a:r>
-            <a:endParaRPr lang="de-DE" sz="1100" dirty="0"/>
+              <a:rPr lang="de-DE" dirty="0"/>
+              <a:t>z.B. TOM 06)</a:t>
+            </a:r>
           </a:p>
         </p:txBody>
       </p:sp>
@@ -2961,185 +2857,221 @@
           <a:p>
             <a:pPr>
               <a:lnSpc>
-                <a:spcPts val="1500"/>
+                <a:spcPts val="1200"/>
               </a:lnSpc>
               <a:spcBef>
                 <a:spcPts val="800"/>
               </a:spcBef>
             </a:pPr>
             <a:r>
-              <a:rPr lang="de-DE" sz="1100" dirty="0" smtClean="0"/>
-              <a:t>Bewerte für Dich die Zeit, die Du für eine Aufgabe </a:t>
+              <a:rPr lang="de-DE" dirty="0"/>
+              <a:t>Bewerte für Dich die Zeit, die Du für eine Arbeit oder Aufgabe verbracht hast, </a:t>
+            </a:r>
+            <a:r>
+              <a:rPr lang="de-DE" dirty="0" smtClean="0"/>
+              <a:t/>
             </a:r>
             <a:br>
-              <a:rPr lang="de-DE" sz="1100" dirty="0" smtClean="0"/>
+              <a:rPr lang="de-DE" dirty="0" smtClean="0"/>
             </a:br>
             <a:r>
-              <a:rPr lang="de-DE" sz="1100" dirty="0" smtClean="0"/>
-              <a:t>verbracht hast, im Hinblick darauf, wie sinnvoll die </a:t>
-            </a:r>
-            <a:br>
-              <a:rPr lang="de-DE" sz="1100" dirty="0" smtClean="0"/>
-            </a:br>
-            <a:r>
-              <a:rPr lang="de-DE" sz="1100" dirty="0" smtClean="0"/>
-              <a:t>investierte Zeit für Dich eingesetzt war.</a:t>
+              <a:rPr lang="de-DE" dirty="0" smtClean="0"/>
+              <a:t>im </a:t>
+            </a:r>
+            <a:r>
+              <a:rPr lang="de-DE" dirty="0"/>
+              <a:t>Hinblick darauf, wie sinnvoll die investierte Zeit für Dich eingesetzt war.</a:t>
             </a:r>
           </a:p>
           <a:p>
             <a:pPr>
               <a:lnSpc>
-                <a:spcPts val="1500"/>
+                <a:spcPts val="1200"/>
               </a:lnSpc>
               <a:spcBef>
                 <a:spcPts val="800"/>
               </a:spcBef>
             </a:pPr>
             <a:r>
-              <a:rPr lang="de-DE" sz="1100" dirty="0" smtClean="0"/>
-              <a:t>Gehe dabei ganz nach einem persönlichen </a:t>
-            </a:r>
-            <a:r>
-              <a:rPr lang="de-DE" sz="1100" dirty="0"/>
-              <a:t>Gefühl </a:t>
-            </a:r>
-            <a:r>
-              <a:rPr lang="de-DE" sz="1100" dirty="0" smtClean="0"/>
-              <a:t>vor. </a:t>
+              <a:rPr lang="de-DE" dirty="0"/>
+              <a:t>Gehe dabei ganz nach Deinem persönlichen Gefühl vor</a:t>
+            </a:r>
+            <a:r>
+              <a:rPr lang="de-DE" dirty="0" smtClean="0"/>
+              <a:t>.</a:t>
+            </a:r>
+            <a:br>
+              <a:rPr lang="de-DE" dirty="0" smtClean="0"/>
+            </a:br>
+            <a:r>
+              <a:rPr lang="de-DE" dirty="0" smtClean="0"/>
+              <a:t> </a:t>
+            </a:r>
+            <a:r>
+              <a:rPr lang="de-DE" dirty="0"/>
+              <a:t>5 bedeutet dabei </a:t>
+            </a:r>
+            <a:r>
+              <a:rPr lang="de-DE" dirty="0" smtClean="0"/>
+              <a:t>„</a:t>
+            </a:r>
+            <a:r>
+              <a:rPr lang="de-DE" dirty="0"/>
+              <a:t>sehr gut“, 1 bedeutet „sehr schlecht“.</a:t>
             </a:r>
           </a:p>
           <a:p>
             <a:pPr>
               <a:lnSpc>
-                <a:spcPts val="1500"/>
+                <a:spcPts val="1200"/>
               </a:lnSpc>
               <a:spcBef>
                 <a:spcPts val="800"/>
               </a:spcBef>
             </a:pPr>
             <a:r>
-              <a:rPr lang="de-DE" sz="1100" dirty="0" smtClean="0"/>
-              <a:t>5 bedeutet dabei „sehr </a:t>
-            </a:r>
-            <a:r>
-              <a:rPr lang="de-DE" sz="1100" dirty="0"/>
-              <a:t>gut“, 1 bedeutet „sehr schlecht“</a:t>
-            </a:r>
-            <a:r>
-              <a:rPr lang="de-DE" sz="1100" dirty="0" smtClean="0"/>
-              <a:t>.</a:t>
+              <a:rPr lang="de-DE" dirty="0"/>
+              <a:t>Notiere Dir Deine Bewertung. </a:t>
             </a:r>
           </a:p>
           <a:p>
             <a:pPr>
               <a:lnSpc>
-                <a:spcPts val="1500"/>
+                <a:spcPts val="1200"/>
               </a:lnSpc>
               <a:spcBef>
                 <a:spcPts val="800"/>
               </a:spcBef>
             </a:pPr>
             <a:r>
-              <a:rPr lang="de-DE" sz="1100" dirty="0" smtClean="0"/>
-              <a:t>Notiere Dir Deine Bewertung.</a:t>
+              <a:rPr lang="de-DE" dirty="0"/>
+              <a:t>Bewerte auf diese Weise in zwei Wochen acht verschiedene Aufgaben. </a:t>
+            </a:r>
+            <a:r>
+              <a:rPr lang="de-DE" dirty="0" smtClean="0"/>
+              <a:t/>
+            </a:r>
+            <a:br>
+              <a:rPr lang="de-DE" dirty="0" smtClean="0"/>
+            </a:br>
+            <a:r>
+              <a:rPr lang="de-DE" dirty="0" smtClean="0"/>
+              <a:t>Du </a:t>
+            </a:r>
+            <a:r>
+              <a:rPr lang="de-DE" dirty="0"/>
+              <a:t>kannst selbst entscheiden, welche das sind.</a:t>
             </a:r>
           </a:p>
           <a:p>
             <a:pPr>
               <a:lnSpc>
-                <a:spcPts val="1500"/>
+                <a:spcPts val="1200"/>
               </a:lnSpc>
               <a:spcBef>
                 <a:spcPts val="800"/>
               </a:spcBef>
             </a:pPr>
             <a:r>
-              <a:rPr lang="de-DE" sz="1100" dirty="0" smtClean="0"/>
-              <a:t>Bewerte auf diese Weise in zwei </a:t>
-            </a:r>
-            <a:r>
-              <a:rPr lang="de-DE" sz="1100" smtClean="0"/>
-              <a:t>Wochen </a:t>
-            </a:r>
-            <a:r>
-              <a:rPr lang="de-DE" sz="1100" smtClean="0"/>
-              <a:t>acht </a:t>
-            </a:r>
-            <a:r>
-              <a:rPr lang="de-DE" sz="1100" dirty="0" smtClean="0"/>
-              <a:t>verschiedene Aufgaben.</a:t>
+              <a:rPr lang="de-DE" dirty="0"/>
+              <a:t>Wenn es Aufgaben gibt, die Du Dir lieber nicht anschauen möchtest, sind das </a:t>
+            </a:r>
+            <a:r>
+              <a:rPr lang="de-DE" dirty="0" smtClean="0"/>
+              <a:t/>
+            </a:r>
+            <a:br>
+              <a:rPr lang="de-DE" dirty="0" smtClean="0"/>
+            </a:br>
+            <a:r>
+              <a:rPr lang="de-DE" dirty="0" smtClean="0"/>
+              <a:t>vermutlich </a:t>
+            </a:r>
+            <a:r>
+              <a:rPr lang="de-DE" dirty="0"/>
+              <a:t>diejenigen, an denen Du am meisten wahrnehmen könntest.</a:t>
             </a:r>
           </a:p>
           <a:p>
             <a:pPr>
               <a:lnSpc>
-                <a:spcPts val="1500"/>
+                <a:spcPts val="1200"/>
               </a:lnSpc>
               <a:spcBef>
                 <a:spcPts val="800"/>
               </a:spcBef>
             </a:pPr>
             <a:r>
-              <a:rPr lang="de-DE" sz="1100" dirty="0" smtClean="0"/>
-              <a:t>Wenn Du ein Team oder Trainingspartner hast, bespreche Deine Erfahrungen mit Ihnen. Wann sind Deine </a:t>
-            </a:r>
-            <a:r>
-              <a:rPr lang="de-DE" sz="1100" dirty="0"/>
-              <a:t>B</a:t>
-            </a:r>
-            <a:r>
-              <a:rPr lang="de-DE" sz="1100" dirty="0" smtClean="0"/>
-              <a:t>ewertungen besser, wann schlechter?</a:t>
+              <a:rPr lang="de-DE" dirty="0"/>
+              <a:t>Wenn Du ein Team oder Trainingspartner hast, bespreche Deine Erfahrungen mit ihnen</a:t>
+            </a:r>
+            <a:r>
+              <a:rPr lang="de-DE"/>
+              <a:t>. </a:t>
+            </a:r>
+            <a:r>
+              <a:rPr lang="de-DE" smtClean="0"/>
+              <a:t/>
+            </a:r>
+            <a:br>
+              <a:rPr lang="de-DE" smtClean="0"/>
+            </a:br>
+            <a:r>
+              <a:rPr lang="de-DE" smtClean="0"/>
+              <a:t>Wann </a:t>
+            </a:r>
+            <a:r>
+              <a:rPr lang="de-DE" dirty="0"/>
+              <a:t>sind Deine Bewertungen besser, wann schlechter?</a:t>
             </a:r>
           </a:p>
           <a:p>
             <a:pPr>
               <a:lnSpc>
-                <a:spcPts val="1500"/>
+                <a:spcPts val="1200"/>
               </a:lnSpc>
               <a:spcBef>
                 <a:spcPts val="800"/>
               </a:spcBef>
             </a:pPr>
             <a:r>
-              <a:rPr lang="de-DE" sz="1100" dirty="0" smtClean="0"/>
-              <a:t>Wenn Du möchtest, kannst Du den Durchschnittswert Deiner </a:t>
+              <a:rPr lang="de-DE" dirty="0"/>
+              <a:t>Wenn Du möchtest, kannst Du den Durchschnittswert Deiner Bewertungen berechnen</a:t>
+            </a:r>
+            <a:r>
+              <a:rPr lang="de-DE" dirty="0" smtClean="0"/>
+              <a:t>.</a:t>
             </a:r>
             <a:br>
-              <a:rPr lang="de-DE" sz="1100" dirty="0" smtClean="0"/>
+              <a:rPr lang="de-DE" dirty="0" smtClean="0"/>
             </a:br>
             <a:r>
-              <a:rPr lang="de-DE" sz="1100" dirty="0"/>
-              <a:t>B</a:t>
-            </a:r>
-            <a:r>
-              <a:rPr lang="de-DE" sz="1100" dirty="0" smtClean="0"/>
-              <a:t>ewertungen berechnen. Du kannst diesen Move wiederholen, die </a:t>
+              <a:rPr lang="de-DE" dirty="0" smtClean="0"/>
+              <a:t> </a:t>
+            </a:r>
+            <a:r>
+              <a:rPr lang="de-DE" dirty="0"/>
+              <a:t>Du kannst diesen Move wiederholen, die Durchschnittswerte vergleichen und reflektieren, </a:t>
+            </a:r>
+            <a:r>
+              <a:rPr lang="de-DE" dirty="0" smtClean="0"/>
+              <a:t/>
             </a:r>
             <a:br>
-              <a:rPr lang="de-DE" sz="1100" dirty="0" smtClean="0"/>
+              <a:rPr lang="de-DE" dirty="0" smtClean="0"/>
             </a:br>
             <a:r>
-              <a:rPr lang="de-DE" sz="1100" dirty="0" smtClean="0"/>
-              <a:t>Durchschnittswerte vergleichen und reflektieren, ob sich </a:t>
-            </a:r>
-            <a:br>
-              <a:rPr lang="de-DE" sz="1100" dirty="0" smtClean="0"/>
-            </a:br>
-            <a:r>
-              <a:rPr lang="de-DE" sz="1100" dirty="0" smtClean="0"/>
-              <a:t>Deine Bewertungen mit der Zeit verändern.</a:t>
-            </a:r>
-          </a:p>
-          <a:p>
-            <a:pPr>
-              <a:lnSpc>
-                <a:spcPts val="1500"/>
-              </a:lnSpc>
-              <a:spcBef>
-                <a:spcPts val="800"/>
-              </a:spcBef>
-            </a:pPr>
+              <a:rPr lang="de-DE" dirty="0" smtClean="0"/>
+              <a:t>ob </a:t>
+            </a:r>
+            <a:r>
+              <a:rPr lang="de-DE" dirty="0"/>
+              <a:t>sich Deine Bewertungen mit der Zeit verändern</a:t>
+            </a:r>
+            <a:r>
+              <a:rPr lang="de-DE" dirty="0" smtClean="0"/>
+              <a:t>.</a:t>
+            </a:r>
             <a:endParaRPr lang="de-DE" dirty="0"/>
           </a:p>
           <a:p>
@@ -3195,7 +3127,7 @@
                 <a:latin typeface="Avenir Light"/>
                 <a:cs typeface="Avenir Light"/>
               </a:rPr>
-              <a:t>23.11.15</a:t>
+              <a:t>24.11.15</a:t>
             </a:fld>
             <a:endParaRPr lang="de-DE" sz="600" dirty="0">
               <a:solidFill>
